--- a/make_presentation/templates/templates/classic/_5.pptx
+++ b/make_presentation/templates/templates/classic/_5.pptx
@@ -296,7 +296,7 @@
             <a:pPr algn="r">
               <a:buNone/>
             </a:pPr>
-            <a:fld id="{3B9830F9-6644-41E7-A904-3AFD7DF40473}" type="slidenum">
+            <a:fld id="{F7A7882E-BB43-4676-9358-B7EA45112924}" type="slidenum">
               <a:rPr b="0" lang="en-US" sz="1400" spc="-1" strike="noStrike">
                 <a:latin typeface="Times New Roman"/>
               </a:rPr>
@@ -344,7 +344,7 @@
         <p:spPr>
           <a:xfrm>
             <a:off x="380880" y="685800"/>
-            <a:ext cx="6093000" cy="3426120"/>
+            <a:ext cx="6092640" cy="3425760"/>
           </a:xfrm>
           <a:prstGeom prst="rect">
             <a:avLst/>
@@ -367,7 +367,7 @@
         <p:spPr>
           <a:xfrm>
             <a:off x="685800" y="4343400"/>
-            <a:ext cx="5483520" cy="4111920"/>
+            <a:ext cx="5483160" cy="4111560"/>
           </a:xfrm>
           <a:prstGeom prst="rect">
             <a:avLst/>
@@ -401,7 +401,7 @@
         <p:spPr>
           <a:xfrm>
             <a:off x="3884760" y="8685360"/>
-            <a:ext cx="2968920" cy="454320"/>
+            <a:ext cx="2968560" cy="453960"/>
           </a:xfrm>
           <a:prstGeom prst="rect">
             <a:avLst/>
@@ -437,7 +437,7 @@
               </a:lnSpc>
               <a:buNone/>
             </a:pPr>
-            <a:fld id="{69E350FE-F5B8-4F49-B81B-02770976117D}" type="slidenum">
+            <a:fld id="{4F9B2AF5-319E-409D-8BAC-578D3C22E833}" type="slidenum">
               <a:rPr b="0" lang="en-US" sz="1200" spc="-1" strike="noStrike">
                 <a:solidFill>
                   <a:srgbClr val="000000"/>
@@ -488,7 +488,7 @@
         <p:spPr>
           <a:xfrm>
             <a:off x="380880" y="685800"/>
-            <a:ext cx="6093000" cy="3426120"/>
+            <a:ext cx="6092640" cy="3425760"/>
           </a:xfrm>
           <a:prstGeom prst="rect">
             <a:avLst/>
@@ -511,7 +511,7 @@
         <p:spPr>
           <a:xfrm>
             <a:off x="685800" y="4343400"/>
-            <a:ext cx="5483520" cy="4111920"/>
+            <a:ext cx="5483160" cy="4111560"/>
           </a:xfrm>
           <a:prstGeom prst="rect">
             <a:avLst/>
@@ -545,7 +545,7 @@
         <p:spPr>
           <a:xfrm>
             <a:off x="3884760" y="8685360"/>
-            <a:ext cx="2968920" cy="454320"/>
+            <a:ext cx="2968560" cy="453960"/>
           </a:xfrm>
           <a:prstGeom prst="rect">
             <a:avLst/>
@@ -581,7 +581,7 @@
               </a:lnSpc>
               <a:buNone/>
             </a:pPr>
-            <a:fld id="{0562A53C-E962-4020-9EBD-F0FF41122BC5}" type="slidenum">
+            <a:fld id="{FE7A79FD-EE92-4F31-85B5-085EDE1B52B2}" type="slidenum">
               <a:rPr b="0" lang="en-US" sz="1200" spc="-1" strike="noStrike">
                 <a:solidFill>
                   <a:srgbClr val="000000"/>
@@ -632,7 +632,7 @@
         <p:spPr>
           <a:xfrm>
             <a:off x="380880" y="685800"/>
-            <a:ext cx="6093000" cy="3426120"/>
+            <a:ext cx="6092640" cy="3425760"/>
           </a:xfrm>
           <a:prstGeom prst="rect">
             <a:avLst/>
@@ -655,7 +655,7 @@
         <p:spPr>
           <a:xfrm>
             <a:off x="685800" y="4343400"/>
-            <a:ext cx="5483520" cy="4111920"/>
+            <a:ext cx="5483160" cy="4111560"/>
           </a:xfrm>
           <a:prstGeom prst="rect">
             <a:avLst/>
@@ -689,7 +689,7 @@
         <p:spPr>
           <a:xfrm>
             <a:off x="3884760" y="8685360"/>
-            <a:ext cx="2968920" cy="454320"/>
+            <a:ext cx="2968560" cy="453960"/>
           </a:xfrm>
           <a:prstGeom prst="rect">
             <a:avLst/>
@@ -725,7 +725,7 @@
               </a:lnSpc>
               <a:buNone/>
             </a:pPr>
-            <a:fld id="{410D2F21-BB0B-4A0D-B33B-CF5411F2A52F}" type="slidenum">
+            <a:fld id="{627B59E1-5A85-4CD7-A960-63E11B5CC59C}" type="slidenum">
               <a:rPr b="0" lang="en-US" sz="1200" spc="-1" strike="noStrike">
                 <a:solidFill>
                   <a:srgbClr val="000000"/>
@@ -776,7 +776,7 @@
         <p:spPr>
           <a:xfrm>
             <a:off x="380880" y="685800"/>
-            <a:ext cx="6093000" cy="3426120"/>
+            <a:ext cx="6092640" cy="3425760"/>
           </a:xfrm>
           <a:prstGeom prst="rect">
             <a:avLst/>
@@ -799,7 +799,7 @@
         <p:spPr>
           <a:xfrm>
             <a:off x="685800" y="4343400"/>
-            <a:ext cx="5483520" cy="4111920"/>
+            <a:ext cx="5483160" cy="4111560"/>
           </a:xfrm>
           <a:prstGeom prst="rect">
             <a:avLst/>
@@ -833,7 +833,7 @@
         <p:spPr>
           <a:xfrm>
             <a:off x="3884760" y="8685360"/>
-            <a:ext cx="2968920" cy="454320"/>
+            <a:ext cx="2968560" cy="453960"/>
           </a:xfrm>
           <a:prstGeom prst="rect">
             <a:avLst/>
@@ -869,7 +869,7 @@
               </a:lnSpc>
               <a:buNone/>
             </a:pPr>
-            <a:fld id="{030970B8-D35B-48B1-A100-34DD5DD98B1A}" type="slidenum">
+            <a:fld id="{5ECB77DC-44EC-4DA5-BF21-72C3EE07E5FD}" type="slidenum">
               <a:rPr b="0" lang="en-US" sz="1200" spc="-1" strike="noStrike">
                 <a:solidFill>
                   <a:srgbClr val="000000"/>
@@ -920,7 +920,7 @@
         <p:spPr>
           <a:xfrm>
             <a:off x="380880" y="685800"/>
-            <a:ext cx="6093000" cy="3426120"/>
+            <a:ext cx="6092640" cy="3425760"/>
           </a:xfrm>
           <a:prstGeom prst="rect">
             <a:avLst/>
@@ -943,7 +943,7 @@
         <p:spPr>
           <a:xfrm>
             <a:off x="685800" y="4343400"/>
-            <a:ext cx="5483520" cy="4111920"/>
+            <a:ext cx="5483160" cy="4111560"/>
           </a:xfrm>
           <a:prstGeom prst="rect">
             <a:avLst/>
@@ -977,7 +977,7 @@
         <p:spPr>
           <a:xfrm>
             <a:off x="3884760" y="8685360"/>
-            <a:ext cx="2968920" cy="454320"/>
+            <a:ext cx="2968560" cy="453960"/>
           </a:xfrm>
           <a:prstGeom prst="rect">
             <a:avLst/>
@@ -1013,7 +1013,7 @@
               </a:lnSpc>
               <a:buNone/>
             </a:pPr>
-            <a:fld id="{E79FCB12-BFEB-4385-93AA-785C6FEE6BB4}" type="slidenum">
+            <a:fld id="{CA0C0845-948A-4D50-9940-7E212F0F42C6}" type="slidenum">
               <a:rPr b="0" lang="en-US" sz="1200" spc="-1" strike="noStrike">
                 <a:solidFill>
                   <a:srgbClr val="000000"/>
@@ -1085,7 +1085,7 @@
         <p:txBody>
           <a:bodyPr/>
           <a:p>
-            <a:fld id="{0BEDF97B-FAA2-437F-A389-B927B9A67275}" type="slidenum">
+            <a:fld id="{BCBB7146-ED05-42E3-9827-FA7BC7DE7943}" type="slidenum">
               <a:t>&lt;#&gt;</a:t>
             </a:fld>
           </a:p>
@@ -1273,7 +1273,7 @@
         <p:txBody>
           <a:bodyPr/>
           <a:p>
-            <a:fld id="{4C40C09F-3B1A-4710-89A2-D73E114781BE}" type="slidenum">
+            <a:fld id="{1973598D-119F-4085-9763-FCB3A94FB12C}" type="slidenum">
               <a:t>&lt;#&gt;</a:t>
             </a:fld>
           </a:p>
@@ -1529,7 +1529,7 @@
         <p:txBody>
           <a:bodyPr/>
           <a:p>
-            <a:fld id="{8040B21F-C13D-4ADB-993E-3E0E8A89CD29}" type="slidenum">
+            <a:fld id="{ABD226DC-DF02-4C1F-B2C4-3785AA999D23}" type="slidenum">
               <a:t>&lt;#&gt;</a:t>
             </a:fld>
           </a:p>
@@ -1853,7 +1853,7 @@
         <p:txBody>
           <a:bodyPr/>
           <a:p>
-            <a:fld id="{800D1626-FC5A-467B-86A0-1EF748FC4E50}" type="slidenum">
+            <a:fld id="{D96A00ED-ABE5-4D2A-BD21-D0D354CCFA7E}" type="slidenum">
               <a:t>&lt;#&gt;</a:t>
             </a:fld>
           </a:p>
@@ -2010,7 +2010,7 @@
         <p:txBody>
           <a:bodyPr/>
           <a:p>
-            <a:fld id="{3A64C7EC-15B1-47C1-88DF-A9A7D83F4F06}" type="slidenum">
+            <a:fld id="{35FC469F-0E8E-4760-B8EE-B53766B23735}" type="slidenum">
               <a:t>&lt;#&gt;</a:t>
             </a:fld>
           </a:p>
@@ -2164,7 +2164,7 @@
         <p:txBody>
           <a:bodyPr/>
           <a:p>
-            <a:fld id="{65686DAC-ED33-4FB7-97FB-BB700A1F1F48}" type="slidenum">
+            <a:fld id="{AA5981B9-ECA4-4568-B06E-7D8CE4563BAB}" type="slidenum">
               <a:t>&lt;#&gt;</a:t>
             </a:fld>
           </a:p>
@@ -2352,7 +2352,7 @@
         <p:txBody>
           <a:bodyPr/>
           <a:p>
-            <a:fld id="{5C9075DB-E3DC-434E-8EDC-9BD2990C8FE0}" type="slidenum">
+            <a:fld id="{D2A29F1E-AAE9-41C5-90DF-F09A2D901594}" type="slidenum">
               <a:t>&lt;#&gt;</a:t>
             </a:fld>
           </a:p>
@@ -2472,7 +2472,7 @@
         <p:txBody>
           <a:bodyPr/>
           <a:p>
-            <a:fld id="{1BA80C02-BA12-46E0-AC29-97BF20162942}" type="slidenum">
+            <a:fld id="{5B0C0EFA-AAC8-45C6-A8B2-DAF0C5235498}" type="slidenum">
               <a:t>&lt;#&gt;</a:t>
             </a:fld>
           </a:p>
@@ -2592,7 +2592,7 @@
         <p:txBody>
           <a:bodyPr/>
           <a:p>
-            <a:fld id="{CF563AA7-1F42-4C11-9172-1EF1637FF56E}" type="slidenum">
+            <a:fld id="{78A1BF8D-3F6C-4F54-8CA3-0169FB0B9D59}" type="slidenum">
               <a:t>&lt;#&gt;</a:t>
             </a:fld>
           </a:p>
@@ -2814,7 +2814,7 @@
         <p:txBody>
           <a:bodyPr/>
           <a:p>
-            <a:fld id="{50D2E64F-8242-43C4-B83C-627215BBDA78}" type="slidenum">
+            <a:fld id="{72BBEDE0-7704-46F0-8EEA-D5768A828D29}" type="slidenum">
               <a:t>&lt;#&gt;</a:t>
             </a:fld>
           </a:p>
@@ -3036,7 +3036,7 @@
         <p:txBody>
           <a:bodyPr/>
           <a:p>
-            <a:fld id="{C634AB5B-49E0-4B5D-8CE2-A6D064749E0C}" type="slidenum">
+            <a:fld id="{E3711850-94A5-4436-915F-264BFB91E93F}" type="slidenum">
               <a:t>&lt;#&gt;</a:t>
             </a:fld>
           </a:p>
@@ -3258,7 +3258,7 @@
         <p:txBody>
           <a:bodyPr/>
           <a:p>
-            <a:fld id="{28D2C1AC-73D9-447E-92FA-F9965DE498ED}" type="slidenum">
+            <a:fld id="{1452BEB1-C5C0-459C-BA0F-D27C4613B897}" type="slidenum">
               <a:t>&lt;#&gt;</a:t>
             </a:fld>
           </a:p>
@@ -3327,7 +3327,7 @@
         <p:spPr>
           <a:xfrm>
             <a:off x="3028680" y="4771440"/>
-            <a:ext cx="3083760" cy="271800"/>
+            <a:ext cx="3083400" cy="271440"/>
           </a:xfrm>
           <a:prstGeom prst="rect">
             <a:avLst/>
@@ -3371,7 +3371,7 @@
                 <a:latin typeface="Times New Roman"/>
                 <a:ea typeface="DejaVu Sans"/>
               </a:rPr>
-              <a:t> </a:t>
+              <a:t>&lt;footer&gt;</a:t>
             </a:r>
             <a:endParaRPr b="0" lang="en-US" sz="1400" spc="-1" strike="noStrike">
               <a:latin typeface="Times New Roman"/>
@@ -3392,7 +3392,7 @@
         <p:spPr>
           <a:xfrm>
             <a:off x="6457680" y="4771440"/>
-            <a:ext cx="2055240" cy="271800"/>
+            <a:ext cx="2054880" cy="271440"/>
           </a:xfrm>
           <a:prstGeom prst="rect">
             <a:avLst/>
@@ -3428,7 +3428,7 @@
               </a:lnSpc>
               <a:buNone/>
             </a:pPr>
-            <a:fld id="{40EED9D1-4E2D-4B0F-B2AA-C8232B134828}" type="slidenum">
+            <a:fld id="{7A827AF3-3075-4F4D-BD8D-749DD9033385}" type="slidenum">
               <a:rPr b="0" lang="en-US" sz="1200" spc="-1" strike="noStrike">
                 <a:solidFill>
                   <a:srgbClr val="8b8b8b"/>
@@ -3436,7 +3436,7 @@
                 <a:latin typeface="Calibri"/>
                 <a:ea typeface="DejaVu Sans"/>
               </a:rPr>
-              <a:t>1</a:t>
+              <a:t>&lt;number&gt;</a:t>
             </a:fld>
             <a:endParaRPr b="0" lang="en-US" sz="1200" spc="-1" strike="noStrike">
               <a:latin typeface="Times New Roman"/>
@@ -3457,7 +3457,7 @@
         <p:spPr>
           <a:xfrm>
             <a:off x="628200" y="4771440"/>
-            <a:ext cx="2055240" cy="271800"/>
+            <a:ext cx="2054880" cy="271440"/>
           </a:xfrm>
           <a:prstGeom prst="rect">
             <a:avLst/>
@@ -3483,7 +3483,7 @@
               <a:rPr b="0" lang="en-US" sz="1400" spc="-1" strike="noStrike">
                 <a:latin typeface="Times New Roman"/>
               </a:rPr>
-              <a:t> </a:t>
+              <a:t>&lt;date/time&gt;</a:t>
             </a:r>
             <a:endParaRPr b="0" lang="en-US" sz="1400" spc="-1" strike="noStrike">
               <a:latin typeface="Times New Roman"/>
@@ -3769,8 +3769,8 @@
         </p:nvSpPr>
         <p:spPr>
           <a:xfrm rot="2744400">
-            <a:off x="-282600" y="-25920"/>
-            <a:ext cx="705960" cy="705600"/>
+            <a:off x="-282240" y="-25920"/>
+            <a:ext cx="705600" cy="705240"/>
           </a:xfrm>
           <a:prstGeom prst="roundRect">
             <a:avLst>
@@ -3807,8 +3807,8 @@
         </p:nvSpPr>
         <p:spPr>
           <a:xfrm rot="2625600">
-            <a:off x="6024960" y="4334040"/>
-            <a:ext cx="469800" cy="469800"/>
+            <a:off x="6024960" y="4333680"/>
+            <a:ext cx="469440" cy="469440"/>
           </a:xfrm>
           <a:prstGeom prst="roundRect">
             <a:avLst>
@@ -3846,7 +3846,7 @@
         <p:spPr>
           <a:xfrm rot="18679200">
             <a:off x="7004880" y="948600"/>
-            <a:ext cx="4941360" cy="4667760"/>
+            <a:ext cx="4941000" cy="4667400"/>
           </a:xfrm>
           <a:prstGeom prst="roundRect">
             <a:avLst>
@@ -3884,7 +3884,7 @@
         <p:spPr>
           <a:xfrm>
             <a:off x="459720" y="4671360"/>
-            <a:ext cx="2997000" cy="267840"/>
+            <a:ext cx="2996640" cy="267480"/>
           </a:xfrm>
           <a:prstGeom prst="rect">
             <a:avLst/>
@@ -3949,8 +3949,8 @@
         </p:blipFill>
         <p:spPr>
           <a:xfrm>
-            <a:off x="2423160" y="4671720"/>
-            <a:ext cx="289440" cy="289440"/>
+            <a:off x="2971800" y="4740120"/>
+            <a:ext cx="289080" cy="289080"/>
           </a:xfrm>
           <a:prstGeom prst="rect">
             <a:avLst/>
@@ -3969,7 +3969,7 @@
         <p:spPr>
           <a:xfrm>
             <a:off x="484920" y="1681560"/>
-            <a:ext cx="5482440" cy="1883880"/>
+            <a:ext cx="5482080" cy="1883520"/>
           </a:xfrm>
           <a:prstGeom prst="rect">
             <a:avLst/>
@@ -4051,7 +4051,7 @@
         <p:spPr>
           <a:xfrm>
             <a:off x="586440" y="1246680"/>
-            <a:ext cx="4005720" cy="3601440"/>
+            <a:ext cx="4005360" cy="3601080"/>
           </a:xfrm>
           <a:prstGeom prst="rect">
             <a:avLst/>
@@ -4103,7 +4103,7 @@
         <p:spPr>
           <a:xfrm>
             <a:off x="559800" y="446040"/>
-            <a:ext cx="4285080" cy="685080"/>
+            <a:ext cx="4284720" cy="684720"/>
           </a:xfrm>
           <a:prstGeom prst="rect">
             <a:avLst/>
@@ -4155,7 +4155,7 @@
         <p:spPr>
           <a:xfrm>
             <a:off x="5097600" y="360"/>
-            <a:ext cx="4381200" cy="5145480"/>
+            <a:ext cx="4380840" cy="5145120"/>
           </a:xfrm>
           <a:prstGeom prst="roundRect">
             <a:avLst>
@@ -4220,8 +4220,8 @@
         </p:nvSpPr>
         <p:spPr>
           <a:xfrm rot="2744400">
-            <a:off x="-282600" y="-25920"/>
-            <a:ext cx="705960" cy="705600"/>
+            <a:off x="-282240" y="-25920"/>
+            <a:ext cx="705600" cy="705240"/>
           </a:xfrm>
           <a:prstGeom prst="roundRect">
             <a:avLst>
@@ -4258,8 +4258,8 @@
         </p:nvSpPr>
         <p:spPr>
           <a:xfrm rot="2625600">
-            <a:off x="4861080" y="4147920"/>
-            <a:ext cx="469800" cy="469800"/>
+            <a:off x="4861080" y="4147560"/>
+            <a:ext cx="469440" cy="469440"/>
           </a:xfrm>
           <a:prstGeom prst="roundRect">
             <a:avLst>
@@ -4333,8 +4333,8 @@
         </p:nvSpPr>
         <p:spPr>
           <a:xfrm rot="2744400">
-            <a:off x="-351720" y="4541400"/>
-            <a:ext cx="705960" cy="705600"/>
+            <a:off x="-351360" y="4541040"/>
+            <a:ext cx="705600" cy="705240"/>
           </a:xfrm>
           <a:prstGeom prst="roundRect">
             <a:avLst>
@@ -4371,8 +4371,8 @@
         </p:nvSpPr>
         <p:spPr>
           <a:xfrm rot="19228200">
-            <a:off x="5847480" y="-2268000"/>
-            <a:ext cx="4856760" cy="7727760"/>
+            <a:off x="5847120" y="-2267640"/>
+            <a:ext cx="4856400" cy="7727400"/>
           </a:xfrm>
           <a:prstGeom prst="roundRect">
             <a:avLst>
@@ -4410,9 +4410,9 @@
         <p:grpSpPr>
           <a:xfrm>
             <a:off x="4571640" y="828000"/>
-            <a:ext cx="4469760" cy="3565800"/>
+            <a:ext cx="4469400" cy="3565440"/>
             <a:chOff x="4571640" y="828000"/>
-            <a:chExt cx="4469760" cy="3565800"/>
+            <a:chExt cx="4469400" cy="3565440"/>
           </a:xfrm>
         </p:grpSpPr>
         <p:pic>
@@ -4428,7 +4428,7 @@
           <p:spPr>
             <a:xfrm>
               <a:off x="4571640" y="828000"/>
-              <a:ext cx="4469760" cy="3565800"/>
+              <a:ext cx="4469400" cy="3565440"/>
             </a:xfrm>
             <a:prstGeom prst="rect">
               <a:avLst/>
@@ -4446,8 +4446,8 @@
           </p:nvSpPr>
           <p:spPr>
             <a:xfrm rot="16200000">
-              <a:off x="5962680" y="1157400"/>
-              <a:ext cx="1738800" cy="2772720"/>
+              <a:off x="5962680" y="1157760"/>
+              <a:ext cx="1738440" cy="2772360"/>
             </a:xfrm>
             <a:prstGeom prst="roundRect">
               <a:avLst>
@@ -4514,7 +4514,7 @@
         <p:spPr>
           <a:xfrm>
             <a:off x="586440" y="1246680"/>
-            <a:ext cx="4005720" cy="3601440"/>
+            <a:ext cx="4005360" cy="3601080"/>
           </a:xfrm>
           <a:prstGeom prst="rect">
             <a:avLst/>
@@ -4566,7 +4566,7 @@
         <p:spPr>
           <a:xfrm>
             <a:off x="5446080" y="1672200"/>
-            <a:ext cx="2781720" cy="1738800"/>
+            <a:ext cx="2781360" cy="1738440"/>
           </a:xfrm>
           <a:prstGeom prst="rect">
             <a:avLst/>
@@ -4618,7 +4618,7 @@
         <p:spPr>
           <a:xfrm>
             <a:off x="586440" y="453960"/>
-            <a:ext cx="3698280" cy="856800"/>
+            <a:ext cx="3697920" cy="856440"/>
           </a:xfrm>
           <a:prstGeom prst="rect">
             <a:avLst/>
@@ -4707,7 +4707,7 @@
         <p:spPr>
           <a:xfrm>
             <a:off x="4222080" y="1246680"/>
-            <a:ext cx="4116600" cy="3601440"/>
+            <a:ext cx="4116240" cy="3601080"/>
           </a:xfrm>
           <a:prstGeom prst="rect">
             <a:avLst/>
@@ -4758,8 +4758,8 @@
         </p:nvSpPr>
         <p:spPr>
           <a:xfrm rot="16200000">
-            <a:off x="-2181600" y="1731960"/>
-            <a:ext cx="5145480" cy="1685520"/>
+            <a:off x="-2181600" y="1732320"/>
+            <a:ext cx="5145120" cy="1685160"/>
           </a:xfrm>
           <a:prstGeom prst="roundRect">
             <a:avLst>
@@ -4797,7 +4797,7 @@
         <p:spPr>
           <a:xfrm rot="2745000">
             <a:off x="8575200" y="104760"/>
-            <a:ext cx="1134000" cy="1133640"/>
+            <a:ext cx="1133640" cy="1133280"/>
           </a:xfrm>
           <a:prstGeom prst="roundRect">
             <a:avLst>
@@ -4834,8 +4834,8 @@
         </p:nvSpPr>
         <p:spPr>
           <a:xfrm rot="16200000">
-            <a:off x="614880" y="917280"/>
-            <a:ext cx="3233520" cy="3315240"/>
+            <a:off x="614880" y="917640"/>
+            <a:ext cx="3233160" cy="3314880"/>
           </a:xfrm>
           <a:prstGeom prst="roundRect">
             <a:avLst>
@@ -4901,7 +4901,7 @@
         <p:spPr>
           <a:xfrm>
             <a:off x="4214160" y="456120"/>
-            <a:ext cx="4113360" cy="856800"/>
+            <a:ext cx="4113000" cy="856440"/>
           </a:xfrm>
           <a:prstGeom prst="rect">
             <a:avLst/>
@@ -4989,8 +4989,8 @@
         </p:nvSpPr>
         <p:spPr>
           <a:xfrm rot="2744400">
-            <a:off x="-282600" y="-25920"/>
-            <a:ext cx="705960" cy="705600"/>
+            <a:off x="-282240" y="-25920"/>
+            <a:ext cx="705600" cy="705240"/>
           </a:xfrm>
           <a:prstGeom prst="roundRect">
             <a:avLst>
@@ -5028,7 +5028,7 @@
         <p:spPr>
           <a:xfrm>
             <a:off x="569160" y="1888920"/>
-            <a:ext cx="4822560" cy="820800"/>
+            <a:ext cx="4822200" cy="820800"/>
           </a:xfrm>
           <a:prstGeom prst="rect">
             <a:avLst/>
@@ -5080,7 +5080,7 @@
         <p:spPr>
           <a:xfrm rot="18679800">
             <a:off x="6783120" y="457560"/>
-            <a:ext cx="6252120" cy="4667760"/>
+            <a:ext cx="6251760" cy="4667400"/>
           </a:xfrm>
           <a:prstGeom prst="roundRect">
             <a:avLst>
@@ -5117,8 +5117,8 @@
         </p:nvSpPr>
         <p:spPr>
           <a:xfrm rot="2625600">
-            <a:off x="6024960" y="4334040"/>
-            <a:ext cx="469800" cy="469800"/>
+            <a:off x="6024960" y="4333680"/>
+            <a:ext cx="469440" cy="469440"/>
           </a:xfrm>
           <a:prstGeom prst="roundRect">
             <a:avLst>
@@ -5156,7 +5156,7 @@
         <p:spPr>
           <a:xfrm>
             <a:off x="1640880" y="4592880"/>
-            <a:ext cx="2997000" cy="267840"/>
+            <a:ext cx="2996640" cy="267480"/>
           </a:xfrm>
           <a:prstGeom prst="rect">
             <a:avLst/>
@@ -5218,7 +5218,7 @@
         <p:spPr>
           <a:xfrm>
             <a:off x="867240" y="3590280"/>
-            <a:ext cx="254880" cy="255240"/>
+            <a:ext cx="254520" cy="254880"/>
           </a:xfrm>
           <a:prstGeom prst="ellipse">
             <a:avLst/>
@@ -5253,7 +5253,7 @@
         <p:spPr>
           <a:xfrm>
             <a:off x="351000" y="3793320"/>
-            <a:ext cx="1287360" cy="1132920"/>
+            <a:ext cx="1287000" cy="1132560"/>
           </a:xfrm>
           <a:prstGeom prst="rect">
             <a:avLst/>
